--- a/Image/2020/Math/03/수학적 벡터.pptx
+++ b/Image/2020/Math/03/수학적 벡터.pptx
@@ -15947,8 +15947,8 @@
           </p:sp>
         </mc:Fallback>
       </mc:AlternateContent>
-      <mc:AlternateContent xmlns:mc="http://schemas.openxmlformats.org/markup-compatibility/2006" xmlns:a14="http://schemas.microsoft.com/office/drawing/2010/main">
-        <mc:Choice Requires="a14">
+      <mc:AlternateContent xmlns:mc="http://schemas.openxmlformats.org/markup-compatibility/2006">
+        <mc:Choice xmlns:a14="http://schemas.microsoft.com/office/drawing/2010/main" Requires="a14">
           <p:sp>
             <p:nvSpPr>
               <p:cNvPr id="36" name="TextBox 35">
@@ -16119,12 +16119,12 @@
                   </a:lnSpc>
                 </a:pPr>
                 <a:r>
-                  <a:rPr lang="ko-KR" altLang="en-US" dirty="0" err="1"/>
-                  <a:t>으로써</a:t>
+                  <a:rPr lang="ko-KR" altLang="en-US"/>
+                  <a:t>으로 </a:t>
                 </a:r>
                 <a:r>
                   <a:rPr lang="ko-KR" altLang="en-US" dirty="0"/>
-                  <a:t> 정의하기도 한다</a:t>
+                  <a:t>정의하기도 한다</a:t>
                 </a:r>
                 <a:r>
                   <a:rPr lang="en-US" altLang="ko-KR" dirty="0"/>
@@ -16139,7 +16139,7 @@
             </p:txBody>
           </p:sp>
         </mc:Choice>
-        <mc:Fallback xmlns="">
+        <mc:Fallback>
           <p:sp>
             <p:nvSpPr>
               <p:cNvPr id="36" name="TextBox 35">
@@ -16983,8 +16983,8 @@
           </a:fontRef>
         </p:style>
       </p:cxnSp>
-      <mc:AlternateContent xmlns:mc="http://schemas.openxmlformats.org/markup-compatibility/2006" xmlns:a14="http://schemas.microsoft.com/office/drawing/2010/main">
-        <mc:Choice Requires="a14">
+      <mc:AlternateContent xmlns:mc="http://schemas.openxmlformats.org/markup-compatibility/2006">
+        <mc:Choice xmlns:a14="http://schemas.microsoft.com/office/drawing/2010/main" Requires="a14">
           <p:sp>
             <p:nvSpPr>
               <p:cNvPr id="18" name="TextBox 17">
@@ -16999,7 +16999,7 @@
             </p:nvSpPr>
             <p:spPr>
               <a:xfrm>
-                <a:off x="-156549" y="15664909"/>
+                <a:off x="114943" y="15702715"/>
                 <a:ext cx="4185056" cy="647357"/>
               </a:xfrm>
               <a:prstGeom prst="rect">
@@ -17203,7 +17203,7 @@
             </p:txBody>
           </p:sp>
         </mc:Choice>
-        <mc:Fallback xmlns="">
+        <mc:Fallback>
           <p:sp>
             <p:nvSpPr>
               <p:cNvPr id="18" name="TextBox 17">
@@ -17220,7 +17220,7 @@
             </p:nvSpPr>
             <p:spPr>
               <a:xfrm>
-                <a:off x="-156549" y="15664909"/>
+                <a:off x="114943" y="15702715"/>
                 <a:ext cx="4185056" cy="647357"/>
               </a:xfrm>
               <a:prstGeom prst="rect">
@@ -17229,7 +17229,7 @@
               <a:blipFill>
                 <a:blip r:embed="rId10"/>
                 <a:stretch>
-                  <a:fillRect l="-1164" t="-67925" r="-1019" b="-64151"/>
+                  <a:fillRect l="-1312" t="-67925" r="-1020" b="-64151"/>
                 </a:stretch>
               </a:blipFill>
             </p:spPr>
